--- a/DLthon.pptx
+++ b/DLthon.pptx
@@ -13,13 +13,13 @@
     <p:sldId id="261" r:id="rId7"/>
     <p:sldId id="262" r:id="rId8"/>
     <p:sldId id="263" r:id="rId9"/>
-    <p:sldId id="264" r:id="rId10"/>
-    <p:sldId id="265" r:id="rId11"/>
-    <p:sldId id="266" r:id="rId12"/>
-    <p:sldId id="267" r:id="rId13"/>
-    <p:sldId id="268" r:id="rId14"/>
-    <p:sldId id="269" r:id="rId15"/>
-    <p:sldId id="270" r:id="rId16"/>
+    <p:sldId id="270" r:id="rId10"/>
+    <p:sldId id="264" r:id="rId11"/>
+    <p:sldId id="265" r:id="rId12"/>
+    <p:sldId id="266" r:id="rId13"/>
+    <p:sldId id="267" r:id="rId14"/>
+    <p:sldId id="268" r:id="rId15"/>
+    <p:sldId id="269" r:id="rId16"/>
     <p:sldId id="271" r:id="rId17"/>
     <p:sldId id="272" r:id="rId18"/>
     <p:sldId id="273" r:id="rId19"/>
@@ -3227,6 +3227,333 @@
 
 <file path=ppt/slides/slide10.xml><?xml version="1.0" encoding="utf-8"?>
 <p:sld xmlns:a="http://schemas.openxmlformats.org/drawingml/2006/main" xmlns:r="http://schemas.openxmlformats.org/officeDocument/2006/relationships" xmlns:p="http://schemas.openxmlformats.org/presentationml/2006/main">
+  <p:cSld name="Slide 9">
+    <p:bg>
+      <p:bgPr>
+        <a:solidFill>
+          <a:srgbClr val="FFFFFF"/>
+        </a:solidFill>
+        <a:effectLst/>
+      </p:bgPr>
+    </p:bg>
+    <p:spTree>
+      <p:nvGrpSpPr>
+        <p:cNvPr id="1" name=""/>
+        <p:cNvGrpSpPr/>
+        <p:nvPr/>
+      </p:nvGrpSpPr>
+      <p:grpSpPr>
+        <a:xfrm>
+          <a:off x="0" y="0"/>
+          <a:ext cx="0" cy="0"/>
+          <a:chOff x="0" y="0"/>
+          <a:chExt cx="0" cy="0"/>
+        </a:xfrm>
+      </p:grpSpPr>
+      <p:grpSp>
+        <p:nvGrpSpPr>
+          <p:cNvPr id="1001" name="그룹 1001"/>
+          <p:cNvGrpSpPr/>
+          <p:nvPr/>
+        </p:nvGrpSpPr>
+        <p:grpSpPr>
+          <a:xfrm>
+            <a:off x="6602691" y="4933698"/>
+            <a:ext cx="1523936" cy="1477806"/>
+            <a:chOff x="6602691" y="4933698"/>
+            <a:chExt cx="1523936" cy="1477806"/>
+          </a:xfrm>
+        </p:grpSpPr>
+        <p:pic>
+          <p:nvPicPr>
+            <p:cNvPr id="3" name="Object 2"/>
+            <p:cNvPicPr>
+              <a:picLocks noChangeAspect="1"/>
+            </p:cNvPicPr>
+            <p:nvPr/>
+          </p:nvPicPr>
+          <p:blipFill>
+            <a:blip r:embed="rId2" cstate="print"/>
+            <a:stretch>
+              <a:fillRect/>
+            </a:stretch>
+          </p:blipFill>
+          <p:spPr>
+            <a:xfrm>
+              <a:off x="6602691" y="4933698"/>
+              <a:ext cx="1523936" cy="1477806"/>
+            </a:xfrm>
+            <a:prstGeom prst="rect">
+              <a:avLst/>
+            </a:prstGeom>
+          </p:spPr>
+        </p:pic>
+      </p:grpSp>
+      <p:grpSp>
+        <p:nvGrpSpPr>
+          <p:cNvPr id="1002" name="그룹 1002"/>
+          <p:cNvGrpSpPr/>
+          <p:nvPr/>
+        </p:nvGrpSpPr>
+        <p:grpSpPr>
+          <a:xfrm>
+            <a:off x="10379835" y="2736566"/>
+            <a:ext cx="6147885" cy="6137389"/>
+            <a:chOff x="10379835" y="2736566"/>
+            <a:chExt cx="6147885" cy="6137389"/>
+          </a:xfrm>
+        </p:grpSpPr>
+        <p:pic>
+          <p:nvPicPr>
+            <p:cNvPr id="6" name="Object 5"/>
+            <p:cNvPicPr>
+              <a:picLocks noChangeAspect="1"/>
+            </p:cNvPicPr>
+            <p:nvPr/>
+          </p:nvPicPr>
+          <p:blipFill>
+            <a:blip r:embed="rId3" cstate="print"/>
+            <a:stretch>
+              <a:fillRect/>
+            </a:stretch>
+          </p:blipFill>
+          <p:spPr>
+            <a:xfrm>
+              <a:off x="10379835" y="2736566"/>
+              <a:ext cx="6147885" cy="6137389"/>
+            </a:xfrm>
+            <a:prstGeom prst="rect">
+              <a:avLst/>
+            </a:prstGeom>
+          </p:spPr>
+        </p:pic>
+      </p:grpSp>
+      <p:pic>
+        <p:nvPicPr>
+          <p:cNvPr id="8" name="Object 7"/>
+          <p:cNvPicPr>
+            <a:picLocks noChangeAspect="1"/>
+          </p:cNvPicPr>
+          <p:nvPr/>
+        </p:nvPicPr>
+        <p:blipFill>
+          <a:blip r:embed="rId4" cstate="print"/>
+          <a:stretch>
+            <a:fillRect/>
+          </a:stretch>
+        </p:blipFill>
+        <p:spPr>
+          <a:xfrm>
+            <a:off x="1549634" y="1095696"/>
+            <a:ext cx="3396667" cy="1645772"/>
+          </a:xfrm>
+          <a:prstGeom prst="rect">
+            <a:avLst/>
+          </a:prstGeom>
+        </p:spPr>
+      </p:pic>
+      <p:pic>
+        <p:nvPicPr>
+          <p:cNvPr id="9" name="Object 8"/>
+          <p:cNvPicPr>
+            <a:picLocks noChangeAspect="1"/>
+          </p:cNvPicPr>
+          <p:nvPr/>
+        </p:nvPicPr>
+        <p:blipFill>
+          <a:blip r:embed="rId5" cstate="print"/>
+          <a:stretch>
+            <a:fillRect/>
+          </a:stretch>
+        </p:blipFill>
+        <p:spPr>
+          <a:xfrm>
+            <a:off x="15660470" y="9591366"/>
+            <a:ext cx="3256299" cy="574452"/>
+          </a:xfrm>
+          <a:prstGeom prst="rect">
+            <a:avLst/>
+          </a:prstGeom>
+        </p:spPr>
+      </p:pic>
+      <p:pic>
+        <p:nvPicPr>
+          <p:cNvPr id="10" name="Object 9"/>
+          <p:cNvPicPr>
+            <a:picLocks noChangeAspect="1"/>
+          </p:cNvPicPr>
+          <p:nvPr/>
+        </p:nvPicPr>
+        <p:blipFill>
+          <a:blip r:embed="rId6" cstate="print"/>
+          <a:stretch>
+            <a:fillRect/>
+          </a:stretch>
+        </p:blipFill>
+        <p:spPr>
+          <a:xfrm>
+            <a:off x="1691178" y="2387907"/>
+            <a:ext cx="1340634" cy="541149"/>
+          </a:xfrm>
+          <a:prstGeom prst="rect">
+            <a:avLst/>
+          </a:prstGeom>
+        </p:spPr>
+      </p:pic>
+      <p:pic>
+        <p:nvPicPr>
+          <p:cNvPr id="11" name="Object 10"/>
+          <p:cNvPicPr>
+            <a:picLocks noChangeAspect="1"/>
+          </p:cNvPicPr>
+          <p:nvPr/>
+        </p:nvPicPr>
+        <p:blipFill>
+          <a:blip r:embed="rId7" cstate="print"/>
+          <a:stretch>
+            <a:fillRect/>
+          </a:stretch>
+        </p:blipFill>
+        <p:spPr>
+          <a:xfrm rot="-5400000">
+            <a:off x="-1417374" y="815902"/>
+            <a:ext cx="3671307" cy="486031"/>
+          </a:xfrm>
+          <a:prstGeom prst="rect">
+            <a:avLst/>
+          </a:prstGeom>
+        </p:spPr>
+      </p:pic>
+      <p:pic>
+        <p:nvPicPr>
+          <p:cNvPr id="12" name="Object 11"/>
+          <p:cNvPicPr>
+            <a:picLocks noChangeAspect="1"/>
+          </p:cNvPicPr>
+          <p:nvPr/>
+        </p:nvPicPr>
+        <p:blipFill>
+          <a:blip r:embed="rId8" cstate="print"/>
+          <a:stretch>
+            <a:fillRect/>
+          </a:stretch>
+        </p:blipFill>
+        <p:spPr>
+          <a:xfrm>
+            <a:off x="2685369" y="4233571"/>
+            <a:ext cx="2249059" cy="3502402"/>
+          </a:xfrm>
+          <a:prstGeom prst="rect">
+            <a:avLst/>
+          </a:prstGeom>
+        </p:spPr>
+      </p:pic>
+      <p:pic>
+        <p:nvPicPr>
+          <p:cNvPr id="13" name="Object 12"/>
+          <p:cNvPicPr>
+            <a:picLocks noChangeAspect="1"/>
+          </p:cNvPicPr>
+          <p:nvPr/>
+        </p:nvPicPr>
+        <p:blipFill>
+          <a:blip r:embed="rId9" cstate="print"/>
+          <a:stretch>
+            <a:fillRect/>
+          </a:stretch>
+        </p:blipFill>
+        <p:spPr>
+          <a:xfrm>
+            <a:off x="8592371" y="6756196"/>
+            <a:ext cx="9514151" cy="1084198"/>
+          </a:xfrm>
+          <a:prstGeom prst="rect">
+            <a:avLst/>
+          </a:prstGeom>
+        </p:spPr>
+      </p:pic>
+      <p:pic>
+        <p:nvPicPr>
+          <p:cNvPr id="14" name="Object 13"/>
+          <p:cNvPicPr>
+            <a:picLocks noChangeAspect="1"/>
+          </p:cNvPicPr>
+          <p:nvPr/>
+        </p:nvPicPr>
+        <p:blipFill>
+          <a:blip r:embed="rId10" cstate="print"/>
+          <a:stretch>
+            <a:fillRect/>
+          </a:stretch>
+        </p:blipFill>
+        <p:spPr>
+          <a:xfrm>
+            <a:off x="8755814" y="5437634"/>
+            <a:ext cx="8942589" cy="1074056"/>
+          </a:xfrm>
+          <a:prstGeom prst="rect">
+            <a:avLst/>
+          </a:prstGeom>
+        </p:spPr>
+      </p:pic>
+      <p:pic>
+        <p:nvPicPr>
+          <p:cNvPr id="15" name="Object 14"/>
+          <p:cNvPicPr>
+            <a:picLocks noChangeAspect="1"/>
+          </p:cNvPicPr>
+          <p:nvPr/>
+        </p:nvPicPr>
+        <p:blipFill>
+          <a:blip r:embed="rId11" cstate="print"/>
+          <a:stretch>
+            <a:fillRect/>
+          </a:stretch>
+        </p:blipFill>
+        <p:spPr>
+          <a:xfrm>
+            <a:off x="10055508" y="3904143"/>
+            <a:ext cx="7316745" cy="1096631"/>
+          </a:xfrm>
+          <a:prstGeom prst="rect">
+            <a:avLst/>
+          </a:prstGeom>
+        </p:spPr>
+      </p:pic>
+      <p:pic>
+        <p:nvPicPr>
+          <p:cNvPr id="16" name="Object 15"/>
+          <p:cNvPicPr>
+            <a:picLocks noChangeAspect="1"/>
+          </p:cNvPicPr>
+          <p:nvPr/>
+        </p:nvPicPr>
+        <p:blipFill>
+          <a:blip r:embed="rId12" cstate="print"/>
+          <a:stretch>
+            <a:fillRect/>
+          </a:stretch>
+        </p:blipFill>
+        <p:spPr>
+          <a:xfrm>
+            <a:off x="6459460" y="3762212"/>
+            <a:ext cx="2915969" cy="996617"/>
+          </a:xfrm>
+          <a:prstGeom prst="rect">
+            <a:avLst/>
+          </a:prstGeom>
+        </p:spPr>
+      </p:pic>
+    </p:spTree>
+  </p:cSld>
+  <p:clrMapOvr>
+    <a:masterClrMapping/>
+  </p:clrMapOvr>
+</p:sld>
+</file>
+
+<file path=ppt/slides/slide11.xml><?xml version="1.0" encoding="utf-8"?>
+<p:sld xmlns:a="http://schemas.openxmlformats.org/drawingml/2006/main" xmlns:r="http://schemas.openxmlformats.org/officeDocument/2006/relationships" xmlns:p="http://schemas.openxmlformats.org/presentationml/2006/main">
   <p:cSld name="Slide 10">
     <p:bg>
       <p:bgPr>
@@ -3624,7 +3951,7 @@
 </p:sld>
 </file>
 
-<file path=ppt/slides/slide11.xml><?xml version="1.0" encoding="utf-8"?>
+<file path=ppt/slides/slide12.xml><?xml version="1.0" encoding="utf-8"?>
 <p:sld xmlns:a="http://schemas.openxmlformats.org/drawingml/2006/main" xmlns:r="http://schemas.openxmlformats.org/officeDocument/2006/relationships" xmlns:p="http://schemas.openxmlformats.org/presentationml/2006/main">
   <p:cSld name="Slide 11">
     <p:bg>
@@ -3927,7 +4254,7 @@
 </p:sld>
 </file>
 
-<file path=ppt/slides/slide12.xml><?xml version="1.0" encoding="utf-8"?>
+<file path=ppt/slides/slide13.xml><?xml version="1.0" encoding="utf-8"?>
 <p:sld xmlns:a="http://schemas.openxmlformats.org/drawingml/2006/main" xmlns:r="http://schemas.openxmlformats.org/officeDocument/2006/relationships" xmlns:p="http://schemas.openxmlformats.org/presentationml/2006/main">
   <p:cSld name="Slide 12">
     <p:bg>
@@ -4230,7 +4557,7 @@
 </p:sld>
 </file>
 
-<file path=ppt/slides/slide13.xml><?xml version="1.0" encoding="utf-8"?>
+<file path=ppt/slides/slide14.xml><?xml version="1.0" encoding="utf-8"?>
 <p:sld xmlns:a="http://schemas.openxmlformats.org/drawingml/2006/main" xmlns:r="http://schemas.openxmlformats.org/officeDocument/2006/relationships" xmlns:p="http://schemas.openxmlformats.org/presentationml/2006/main">
   <p:cSld name="Slide 13">
     <p:bg>
@@ -4383,7 +4710,7 @@
 </p:sld>
 </file>
 
-<file path=ppt/slides/slide14.xml><?xml version="1.0" encoding="utf-8"?>
+<file path=ppt/slides/slide15.xml><?xml version="1.0" encoding="utf-8"?>
 <p:sld xmlns:a="http://schemas.openxmlformats.org/drawingml/2006/main" xmlns:r="http://schemas.openxmlformats.org/officeDocument/2006/relationships" xmlns:p="http://schemas.openxmlformats.org/presentationml/2006/main">
   <p:cSld name="Slide 14">
     <p:bg>
@@ -4561,354 +4888,6 @@
           <a:xfrm>
             <a:off x="1128587" y="5864568"/>
             <a:ext cx="4098158" cy="4130320"/>
-          </a:xfrm>
-          <a:prstGeom prst="rect">
-            <a:avLst/>
-          </a:prstGeom>
-        </p:spPr>
-      </p:pic>
-    </p:spTree>
-  </p:cSld>
-  <p:clrMapOvr>
-    <a:masterClrMapping/>
-  </p:clrMapOvr>
-</p:sld>
-</file>
-
-<file path=ppt/slides/slide15.xml><?xml version="1.0" encoding="utf-8"?>
-<p:sld xmlns:a="http://schemas.openxmlformats.org/drawingml/2006/main" xmlns:r="http://schemas.openxmlformats.org/officeDocument/2006/relationships" xmlns:p="http://schemas.openxmlformats.org/presentationml/2006/main">
-  <p:cSld name="Slide 15">
-    <p:bg>
-      <p:bgPr>
-        <a:solidFill>
-          <a:srgbClr val="FFFFFF"/>
-        </a:solidFill>
-        <a:effectLst/>
-      </p:bgPr>
-    </p:bg>
-    <p:spTree>
-      <p:nvGrpSpPr>
-        <p:cNvPr id="1" name=""/>
-        <p:cNvGrpSpPr/>
-        <p:nvPr/>
-      </p:nvGrpSpPr>
-      <p:grpSpPr>
-        <a:xfrm>
-          <a:off x="0" y="0"/>
-          <a:ext cx="0" cy="0"/>
-          <a:chOff x="0" y="0"/>
-          <a:chExt cx="0" cy="0"/>
-        </a:xfrm>
-      </p:grpSpPr>
-      <p:grpSp>
-        <p:nvGrpSpPr>
-          <p:cNvPr id="1001" name="그룹 1001"/>
-          <p:cNvGrpSpPr/>
-          <p:nvPr/>
-        </p:nvGrpSpPr>
-        <p:grpSpPr>
-          <a:xfrm>
-            <a:off x="1875508" y="5037767"/>
-            <a:ext cx="6542281" cy="2773108"/>
-            <a:chOff x="1875508" y="5037767"/>
-            <a:chExt cx="6542281" cy="2773108"/>
-          </a:xfrm>
-        </p:grpSpPr>
-        <p:pic>
-          <p:nvPicPr>
-            <p:cNvPr id="3" name="Object 2"/>
-            <p:cNvPicPr>
-              <a:picLocks noChangeAspect="1"/>
-            </p:cNvPicPr>
-            <p:nvPr/>
-          </p:nvPicPr>
-          <p:blipFill>
-            <a:blip r:embed="rId2" cstate="print"/>
-            <a:stretch>
-              <a:fillRect/>
-            </a:stretch>
-          </p:blipFill>
-          <p:spPr>
-            <a:xfrm>
-              <a:off x="1875508" y="5037767"/>
-              <a:ext cx="6542281" cy="2773108"/>
-            </a:xfrm>
-            <a:prstGeom prst="rect">
-              <a:avLst/>
-            </a:prstGeom>
-          </p:spPr>
-        </p:pic>
-      </p:grpSp>
-      <p:grpSp>
-        <p:nvGrpSpPr>
-          <p:cNvPr id="1002" name="그룹 1002"/>
-          <p:cNvGrpSpPr/>
-          <p:nvPr/>
-        </p:nvGrpSpPr>
-        <p:grpSpPr>
-          <a:xfrm>
-            <a:off x="8748728" y="5247947"/>
-            <a:ext cx="7317910" cy="4086421"/>
-            <a:chOff x="8748728" y="5247947"/>
-            <a:chExt cx="7317910" cy="4086421"/>
-          </a:xfrm>
-        </p:grpSpPr>
-        <p:pic>
-          <p:nvPicPr>
-            <p:cNvPr id="6" name="Object 5"/>
-            <p:cNvPicPr>
-              <a:picLocks noChangeAspect="1"/>
-            </p:cNvPicPr>
-            <p:nvPr/>
-          </p:nvPicPr>
-          <p:blipFill>
-            <a:blip r:embed="rId3" cstate="print"/>
-            <a:stretch>
-              <a:fillRect/>
-            </a:stretch>
-          </p:blipFill>
-          <p:spPr>
-            <a:xfrm>
-              <a:off x="8748728" y="5247947"/>
-              <a:ext cx="7317910" cy="4086421"/>
-            </a:xfrm>
-            <a:prstGeom prst="rect">
-              <a:avLst/>
-            </a:prstGeom>
-          </p:spPr>
-        </p:pic>
-      </p:grpSp>
-      <p:grpSp>
-        <p:nvGrpSpPr>
-          <p:cNvPr id="1003" name="그룹 1003"/>
-          <p:cNvGrpSpPr/>
-          <p:nvPr/>
-        </p:nvGrpSpPr>
-        <p:grpSpPr>
-          <a:xfrm>
-            <a:off x="890850" y="1659052"/>
-            <a:ext cx="10222431" cy="3181732"/>
-            <a:chOff x="890850" y="1659052"/>
-            <a:chExt cx="10222431" cy="3181732"/>
-          </a:xfrm>
-        </p:grpSpPr>
-        <p:pic>
-          <p:nvPicPr>
-            <p:cNvPr id="9" name="Object 8"/>
-            <p:cNvPicPr>
-              <a:picLocks noChangeAspect="1"/>
-            </p:cNvPicPr>
-            <p:nvPr/>
-          </p:nvPicPr>
-          <p:blipFill>
-            <a:blip r:embed="rId4" cstate="print"/>
-            <a:stretch>
-              <a:fillRect/>
-            </a:stretch>
-          </p:blipFill>
-          <p:spPr>
-            <a:xfrm>
-              <a:off x="890850" y="1659052"/>
-              <a:ext cx="10222431" cy="3181732"/>
-            </a:xfrm>
-            <a:prstGeom prst="rect">
-              <a:avLst/>
-            </a:prstGeom>
-          </p:spPr>
-        </p:pic>
-      </p:grpSp>
-      <p:grpSp>
-        <p:nvGrpSpPr>
-          <p:cNvPr id="1004" name="그룹 1004"/>
-          <p:cNvGrpSpPr/>
-          <p:nvPr/>
-        </p:nvGrpSpPr>
-        <p:grpSpPr>
-          <a:xfrm>
-            <a:off x="221463" y="6939539"/>
-            <a:ext cx="1654044" cy="3059442"/>
-            <a:chOff x="221463" y="6939539"/>
-            <a:chExt cx="1654044" cy="3059442"/>
-          </a:xfrm>
-        </p:grpSpPr>
-        <p:pic>
-          <p:nvPicPr>
-            <p:cNvPr id="12" name="Object 11"/>
-            <p:cNvPicPr>
-              <a:picLocks noChangeAspect="1"/>
-            </p:cNvPicPr>
-            <p:nvPr/>
-          </p:nvPicPr>
-          <p:blipFill>
-            <a:blip r:embed="rId5" cstate="print"/>
-            <a:stretch>
-              <a:fillRect/>
-            </a:stretch>
-          </p:blipFill>
-          <p:spPr>
-            <a:xfrm>
-              <a:off x="221463" y="6939539"/>
-              <a:ext cx="1654044" cy="3059442"/>
-            </a:xfrm>
-            <a:prstGeom prst="rect">
-              <a:avLst/>
-            </a:prstGeom>
-          </p:spPr>
-        </p:pic>
-      </p:grpSp>
-      <p:grpSp>
-        <p:nvGrpSpPr>
-          <p:cNvPr id="1005" name="그룹 1005"/>
-          <p:cNvGrpSpPr/>
-          <p:nvPr/>
-        </p:nvGrpSpPr>
-        <p:grpSpPr>
-          <a:xfrm>
-            <a:off x="11693107" y="1087986"/>
-            <a:ext cx="3786909" cy="3780444"/>
-            <a:chOff x="11693107" y="1087986"/>
-            <a:chExt cx="3786909" cy="3780444"/>
-          </a:xfrm>
-        </p:grpSpPr>
-        <p:pic>
-          <p:nvPicPr>
-            <p:cNvPr id="15" name="Object 14"/>
-            <p:cNvPicPr>
-              <a:picLocks noChangeAspect="1"/>
-            </p:cNvPicPr>
-            <p:nvPr/>
-          </p:nvPicPr>
-          <p:blipFill>
-            <a:blip r:embed="rId6" cstate="print"/>
-            <a:stretch>
-              <a:fillRect/>
-            </a:stretch>
-          </p:blipFill>
-          <p:spPr>
-            <a:xfrm>
-              <a:off x="11693107" y="1087986"/>
-              <a:ext cx="3786909" cy="3780444"/>
-            </a:xfrm>
-            <a:prstGeom prst="rect">
-              <a:avLst/>
-            </a:prstGeom>
-          </p:spPr>
-        </p:pic>
-      </p:grpSp>
-      <p:pic>
-        <p:nvPicPr>
-          <p:cNvPr id="17" name="Object 16"/>
-          <p:cNvPicPr>
-            <a:picLocks noChangeAspect="1"/>
-          </p:cNvPicPr>
-          <p:nvPr/>
-        </p:nvPicPr>
-        <p:blipFill>
-          <a:blip r:embed="rId7" cstate="print"/>
-          <a:stretch>
-            <a:fillRect/>
-          </a:stretch>
-        </p:blipFill>
-        <p:spPr>
-          <a:xfrm>
-            <a:off x="844043" y="65287"/>
-            <a:ext cx="2701523" cy="1901161"/>
-          </a:xfrm>
-          <a:prstGeom prst="rect">
-            <a:avLst/>
-          </a:prstGeom>
-        </p:spPr>
-      </p:pic>
-      <p:pic>
-        <p:nvPicPr>
-          <p:cNvPr id="18" name="Object 17"/>
-          <p:cNvPicPr>
-            <a:picLocks noChangeAspect="1"/>
-          </p:cNvPicPr>
-          <p:nvPr/>
-        </p:nvPicPr>
-        <p:blipFill>
-          <a:blip r:embed="rId8" cstate="print"/>
-          <a:stretch>
-            <a:fillRect/>
-          </a:stretch>
-        </p:blipFill>
-        <p:spPr>
-          <a:xfrm>
-            <a:off x="15660470" y="9591366"/>
-            <a:ext cx="3256299" cy="574452"/>
-          </a:xfrm>
-          <a:prstGeom prst="rect">
-            <a:avLst/>
-          </a:prstGeom>
-        </p:spPr>
-      </p:pic>
-      <p:pic>
-        <p:nvPicPr>
-          <p:cNvPr id="19" name="Object 18"/>
-          <p:cNvPicPr>
-            <a:picLocks noChangeAspect="1"/>
-          </p:cNvPicPr>
-          <p:nvPr/>
-        </p:nvPicPr>
-        <p:blipFill>
-          <a:blip r:embed="rId9" cstate="print"/>
-          <a:stretch>
-            <a:fillRect/>
-          </a:stretch>
-        </p:blipFill>
-        <p:spPr>
-          <a:xfrm rot="-5400000">
-            <a:off x="-1417374" y="815902"/>
-            <a:ext cx="3671307" cy="486031"/>
-          </a:xfrm>
-          <a:prstGeom prst="rect">
-            <a:avLst/>
-          </a:prstGeom>
-        </p:spPr>
-      </p:pic>
-      <p:pic>
-        <p:nvPicPr>
-          <p:cNvPr id="20" name="Object 19"/>
-          <p:cNvPicPr>
-            <a:picLocks noChangeAspect="1"/>
-          </p:cNvPicPr>
-          <p:nvPr/>
-        </p:nvPicPr>
-        <p:blipFill>
-          <a:blip r:embed="rId10" cstate="print"/>
-          <a:stretch>
-            <a:fillRect/>
-          </a:stretch>
-        </p:blipFill>
-        <p:spPr>
-          <a:xfrm>
-            <a:off x="12104119" y="2401393"/>
-            <a:ext cx="3350770" cy="1718351"/>
-          </a:xfrm>
-          <a:prstGeom prst="rect">
-            <a:avLst/>
-          </a:prstGeom>
-        </p:spPr>
-      </p:pic>
-      <p:pic>
-        <p:nvPicPr>
-          <p:cNvPr id="21" name="Object 20"/>
-          <p:cNvPicPr>
-            <a:picLocks noChangeAspect="1"/>
-          </p:cNvPicPr>
-          <p:nvPr/>
-        </p:nvPicPr>
-        <p:blipFill>
-          <a:blip r:embed="rId11" cstate="print"/>
-          <a:stretch>
-            <a:fillRect/>
-          </a:stretch>
-        </p:blipFill>
-        <p:spPr>
-          <a:xfrm>
-            <a:off x="790641" y="5666231"/>
-            <a:ext cx="8017960" cy="1718351"/>
           </a:xfrm>
           <a:prstGeom prst="rect">
             <a:avLst/>
@@ -8105,7 +8084,7 @@
 
 <file path=ppt/slides/slide9.xml><?xml version="1.0" encoding="utf-8"?>
 <p:sld xmlns:a="http://schemas.openxmlformats.org/drawingml/2006/main" xmlns:r="http://schemas.openxmlformats.org/officeDocument/2006/relationships" xmlns:p="http://schemas.openxmlformats.org/presentationml/2006/main">
-  <p:cSld name="Slide 9">
+  <p:cSld name="Slide 15">
     <p:bg>
       <p:bgPr>
         <a:solidFill>
@@ -8136,10 +8115,10 @@
         </p:nvGrpSpPr>
         <p:grpSpPr>
           <a:xfrm>
-            <a:off x="6602691" y="4933698"/>
-            <a:ext cx="1523936" cy="1477806"/>
-            <a:chOff x="6602691" y="4933698"/>
-            <a:chExt cx="1523936" cy="1477806"/>
+            <a:off x="1875508" y="5037767"/>
+            <a:ext cx="6542281" cy="2773108"/>
+            <a:chOff x="1875508" y="5037767"/>
+            <a:chExt cx="6542281" cy="2773108"/>
           </a:xfrm>
         </p:grpSpPr>
         <p:pic>
@@ -8158,8 +8137,8 @@
           </p:blipFill>
           <p:spPr>
             <a:xfrm>
-              <a:off x="6602691" y="4933698"/>
-              <a:ext cx="1523936" cy="1477806"/>
+              <a:off x="1875508" y="5037767"/>
+              <a:ext cx="6542281" cy="2773108"/>
             </a:xfrm>
             <a:prstGeom prst="rect">
               <a:avLst/>
@@ -8175,10 +8154,10 @@
         </p:nvGrpSpPr>
         <p:grpSpPr>
           <a:xfrm>
-            <a:off x="10379835" y="2736566"/>
-            <a:ext cx="6147885" cy="6137389"/>
-            <a:chOff x="10379835" y="2736566"/>
-            <a:chExt cx="6147885" cy="6137389"/>
+            <a:off x="8748728" y="5247947"/>
+            <a:ext cx="7317910" cy="4086421"/>
+            <a:chOff x="8748728" y="5247947"/>
+            <a:chExt cx="7317910" cy="4086421"/>
           </a:xfrm>
         </p:grpSpPr>
         <p:pic>
@@ -8197,8 +8176,8 @@
           </p:blipFill>
           <p:spPr>
             <a:xfrm>
-              <a:off x="10379835" y="2736566"/>
-              <a:ext cx="6147885" cy="6137389"/>
+              <a:off x="8748728" y="5247947"/>
+              <a:ext cx="7317910" cy="4086421"/>
             </a:xfrm>
             <a:prstGeom prst="rect">
               <a:avLst/>
@@ -8206,40 +8185,157 @@
           </p:spPr>
         </p:pic>
       </p:grpSp>
-      <p:pic>
-        <p:nvPicPr>
-          <p:cNvPr id="8" name="Object 7"/>
-          <p:cNvPicPr>
-            <a:picLocks noChangeAspect="1"/>
-          </p:cNvPicPr>
-          <p:nvPr/>
-        </p:nvPicPr>
-        <p:blipFill>
-          <a:blip r:embed="rId4" cstate="print"/>
-          <a:stretch>
-            <a:fillRect/>
-          </a:stretch>
-        </p:blipFill>
-        <p:spPr>
-          <a:xfrm>
-            <a:off x="1549634" y="1095696"/>
-            <a:ext cx="3396667" cy="1645772"/>
-          </a:xfrm>
-          <a:prstGeom prst="rect">
-            <a:avLst/>
-          </a:prstGeom>
-        </p:spPr>
-      </p:pic>
-      <p:pic>
-        <p:nvPicPr>
-          <p:cNvPr id="9" name="Object 8"/>
-          <p:cNvPicPr>
-            <a:picLocks noChangeAspect="1"/>
-          </p:cNvPicPr>
-          <p:nvPr/>
-        </p:nvPicPr>
-        <p:blipFill>
-          <a:blip r:embed="rId5" cstate="print"/>
+      <p:grpSp>
+        <p:nvGrpSpPr>
+          <p:cNvPr id="1003" name="그룹 1003"/>
+          <p:cNvGrpSpPr/>
+          <p:nvPr/>
+        </p:nvGrpSpPr>
+        <p:grpSpPr>
+          <a:xfrm>
+            <a:off x="890850" y="1659052"/>
+            <a:ext cx="10222431" cy="3181732"/>
+            <a:chOff x="890850" y="1659052"/>
+            <a:chExt cx="10222431" cy="3181732"/>
+          </a:xfrm>
+        </p:grpSpPr>
+        <p:pic>
+          <p:nvPicPr>
+            <p:cNvPr id="9" name="Object 8"/>
+            <p:cNvPicPr>
+              <a:picLocks noChangeAspect="1"/>
+            </p:cNvPicPr>
+            <p:nvPr/>
+          </p:nvPicPr>
+          <p:blipFill>
+            <a:blip r:embed="rId4" cstate="print"/>
+            <a:stretch>
+              <a:fillRect/>
+            </a:stretch>
+          </p:blipFill>
+          <p:spPr>
+            <a:xfrm>
+              <a:off x="890850" y="1659052"/>
+              <a:ext cx="10222431" cy="3181732"/>
+            </a:xfrm>
+            <a:prstGeom prst="rect">
+              <a:avLst/>
+            </a:prstGeom>
+          </p:spPr>
+        </p:pic>
+      </p:grpSp>
+      <p:grpSp>
+        <p:nvGrpSpPr>
+          <p:cNvPr id="1004" name="그룹 1004"/>
+          <p:cNvGrpSpPr/>
+          <p:nvPr/>
+        </p:nvGrpSpPr>
+        <p:grpSpPr>
+          <a:xfrm>
+            <a:off x="221463" y="6939539"/>
+            <a:ext cx="1654044" cy="3059442"/>
+            <a:chOff x="221463" y="6939539"/>
+            <a:chExt cx="1654044" cy="3059442"/>
+          </a:xfrm>
+        </p:grpSpPr>
+        <p:pic>
+          <p:nvPicPr>
+            <p:cNvPr id="12" name="Object 11"/>
+            <p:cNvPicPr>
+              <a:picLocks noChangeAspect="1"/>
+            </p:cNvPicPr>
+            <p:nvPr/>
+          </p:nvPicPr>
+          <p:blipFill>
+            <a:blip r:embed="rId5" cstate="print"/>
+            <a:stretch>
+              <a:fillRect/>
+            </a:stretch>
+          </p:blipFill>
+          <p:spPr>
+            <a:xfrm>
+              <a:off x="221463" y="6939539"/>
+              <a:ext cx="1654044" cy="3059442"/>
+            </a:xfrm>
+            <a:prstGeom prst="rect">
+              <a:avLst/>
+            </a:prstGeom>
+          </p:spPr>
+        </p:pic>
+      </p:grpSp>
+      <p:grpSp>
+        <p:nvGrpSpPr>
+          <p:cNvPr id="1005" name="그룹 1005"/>
+          <p:cNvGrpSpPr/>
+          <p:nvPr/>
+        </p:nvGrpSpPr>
+        <p:grpSpPr>
+          <a:xfrm>
+            <a:off x="11693107" y="1087986"/>
+            <a:ext cx="3786909" cy="3780444"/>
+            <a:chOff x="11693107" y="1087986"/>
+            <a:chExt cx="3786909" cy="3780444"/>
+          </a:xfrm>
+        </p:grpSpPr>
+        <p:pic>
+          <p:nvPicPr>
+            <p:cNvPr id="15" name="Object 14"/>
+            <p:cNvPicPr>
+              <a:picLocks noChangeAspect="1"/>
+            </p:cNvPicPr>
+            <p:nvPr/>
+          </p:nvPicPr>
+          <p:blipFill>
+            <a:blip r:embed="rId6" cstate="print"/>
+            <a:stretch>
+              <a:fillRect/>
+            </a:stretch>
+          </p:blipFill>
+          <p:spPr>
+            <a:xfrm>
+              <a:off x="11693107" y="1087986"/>
+              <a:ext cx="3786909" cy="3780444"/>
+            </a:xfrm>
+            <a:prstGeom prst="rect">
+              <a:avLst/>
+            </a:prstGeom>
+          </p:spPr>
+        </p:pic>
+      </p:grpSp>
+      <p:pic>
+        <p:nvPicPr>
+          <p:cNvPr id="17" name="Object 16"/>
+          <p:cNvPicPr>
+            <a:picLocks noChangeAspect="1"/>
+          </p:cNvPicPr>
+          <p:nvPr/>
+        </p:nvPicPr>
+        <p:blipFill>
+          <a:blip r:embed="rId7" cstate="print"/>
+          <a:stretch>
+            <a:fillRect/>
+          </a:stretch>
+        </p:blipFill>
+        <p:spPr>
+          <a:xfrm>
+            <a:off x="844043" y="65287"/>
+            <a:ext cx="2701523" cy="1901161"/>
+          </a:xfrm>
+          <a:prstGeom prst="rect">
+            <a:avLst/>
+          </a:prstGeom>
+        </p:spPr>
+      </p:pic>
+      <p:pic>
+        <p:nvPicPr>
+          <p:cNvPr id="18" name="Object 17"/>
+          <p:cNvPicPr>
+            <a:picLocks noChangeAspect="1"/>
+          </p:cNvPicPr>
+          <p:nvPr/>
+        </p:nvPicPr>
+        <p:blipFill>
+          <a:blip r:embed="rId8" cstate="print"/>
           <a:stretch>
             <a:fillRect/>
           </a:stretch>
@@ -8256,38 +8352,14 @@
       </p:pic>
       <p:pic>
         <p:nvPicPr>
-          <p:cNvPr id="10" name="Object 9"/>
-          <p:cNvPicPr>
-            <a:picLocks noChangeAspect="1"/>
-          </p:cNvPicPr>
-          <p:nvPr/>
-        </p:nvPicPr>
-        <p:blipFill>
-          <a:blip r:embed="rId6" cstate="print"/>
-          <a:stretch>
-            <a:fillRect/>
-          </a:stretch>
-        </p:blipFill>
-        <p:spPr>
-          <a:xfrm>
-            <a:off x="1691178" y="2387907"/>
-            <a:ext cx="1340634" cy="541149"/>
-          </a:xfrm>
-          <a:prstGeom prst="rect">
-            <a:avLst/>
-          </a:prstGeom>
-        </p:spPr>
-      </p:pic>
-      <p:pic>
-        <p:nvPicPr>
-          <p:cNvPr id="11" name="Object 10"/>
-          <p:cNvPicPr>
-            <a:picLocks noChangeAspect="1"/>
-          </p:cNvPicPr>
-          <p:nvPr/>
-        </p:nvPicPr>
-        <p:blipFill>
-          <a:blip r:embed="rId7" cstate="print"/>
+          <p:cNvPr id="19" name="Object 18"/>
+          <p:cNvPicPr>
+            <a:picLocks noChangeAspect="1"/>
+          </p:cNvPicPr>
+          <p:nvPr/>
+        </p:nvPicPr>
+        <p:blipFill>
+          <a:blip r:embed="rId9" cstate="print"/>
           <a:stretch>
             <a:fillRect/>
           </a:stretch>
@@ -8304,55 +8376,7 @@
       </p:pic>
       <p:pic>
         <p:nvPicPr>
-          <p:cNvPr id="12" name="Object 11"/>
-          <p:cNvPicPr>
-            <a:picLocks noChangeAspect="1"/>
-          </p:cNvPicPr>
-          <p:nvPr/>
-        </p:nvPicPr>
-        <p:blipFill>
-          <a:blip r:embed="rId8" cstate="print"/>
-          <a:stretch>
-            <a:fillRect/>
-          </a:stretch>
-        </p:blipFill>
-        <p:spPr>
-          <a:xfrm>
-            <a:off x="2685369" y="4233571"/>
-            <a:ext cx="2249059" cy="3502402"/>
-          </a:xfrm>
-          <a:prstGeom prst="rect">
-            <a:avLst/>
-          </a:prstGeom>
-        </p:spPr>
-      </p:pic>
-      <p:pic>
-        <p:nvPicPr>
-          <p:cNvPr id="13" name="Object 12"/>
-          <p:cNvPicPr>
-            <a:picLocks noChangeAspect="1"/>
-          </p:cNvPicPr>
-          <p:nvPr/>
-        </p:nvPicPr>
-        <p:blipFill>
-          <a:blip r:embed="rId9" cstate="print"/>
-          <a:stretch>
-            <a:fillRect/>
-          </a:stretch>
-        </p:blipFill>
-        <p:spPr>
-          <a:xfrm>
-            <a:off x="8592371" y="6756196"/>
-            <a:ext cx="9514151" cy="1084198"/>
-          </a:xfrm>
-          <a:prstGeom prst="rect">
-            <a:avLst/>
-          </a:prstGeom>
-        </p:spPr>
-      </p:pic>
-      <p:pic>
-        <p:nvPicPr>
-          <p:cNvPr id="14" name="Object 13"/>
+          <p:cNvPr id="20" name="Object 19"/>
           <p:cNvPicPr>
             <a:picLocks noChangeAspect="1"/>
           </p:cNvPicPr>
@@ -8366,17 +8390,17 @@
         </p:blipFill>
         <p:spPr>
           <a:xfrm>
-            <a:off x="8755814" y="5437634"/>
-            <a:ext cx="8942589" cy="1074056"/>
-          </a:xfrm>
-          <a:prstGeom prst="rect">
-            <a:avLst/>
-          </a:prstGeom>
-        </p:spPr>
-      </p:pic>
-      <p:pic>
-        <p:nvPicPr>
-          <p:cNvPr id="15" name="Object 14"/>
+            <a:off x="12104119" y="2401393"/>
+            <a:ext cx="3350770" cy="1718351"/>
+          </a:xfrm>
+          <a:prstGeom prst="rect">
+            <a:avLst/>
+          </a:prstGeom>
+        </p:spPr>
+      </p:pic>
+      <p:pic>
+        <p:nvPicPr>
+          <p:cNvPr id="21" name="Object 20"/>
           <p:cNvPicPr>
             <a:picLocks noChangeAspect="1"/>
           </p:cNvPicPr>
@@ -8390,32 +8414,8 @@
         </p:blipFill>
         <p:spPr>
           <a:xfrm>
-            <a:off x="10055508" y="3904143"/>
-            <a:ext cx="7316745" cy="1096631"/>
-          </a:xfrm>
-          <a:prstGeom prst="rect">
-            <a:avLst/>
-          </a:prstGeom>
-        </p:spPr>
-      </p:pic>
-      <p:pic>
-        <p:nvPicPr>
-          <p:cNvPr id="16" name="Object 15"/>
-          <p:cNvPicPr>
-            <a:picLocks noChangeAspect="1"/>
-          </p:cNvPicPr>
-          <p:nvPr/>
-        </p:nvPicPr>
-        <p:blipFill>
-          <a:blip r:embed="rId12" cstate="print"/>
-          <a:stretch>
-            <a:fillRect/>
-          </a:stretch>
-        </p:blipFill>
-        <p:spPr>
-          <a:xfrm>
-            <a:off x="6459460" y="3762212"/>
-            <a:ext cx="2915969" cy="996617"/>
+            <a:off x="790641" y="5666231"/>
+            <a:ext cx="8017960" cy="1718351"/>
           </a:xfrm>
           <a:prstGeom prst="rect">
             <a:avLst/>
